--- a/What's new in C# 8.pptx
+++ b/What's new in C# 8.pptx
@@ -5,7 +5,7 @@
     <p:sldMasterId id="2147483669" r:id="rId1"/>
   </p:sldMasterIdLst>
   <p:notesMasterIdLst>
-    <p:notesMasterId r:id="rId14"/>
+    <p:notesMasterId r:id="rId18"/>
   </p:notesMasterIdLst>
   <p:sldIdLst>
     <p:sldId id="273" r:id="rId2"/>
@@ -14,12 +14,16 @@
     <p:sldId id="281" r:id="rId5"/>
     <p:sldId id="276" r:id="rId6"/>
     <p:sldId id="280" r:id="rId7"/>
-    <p:sldId id="283" r:id="rId8"/>
-    <p:sldId id="284" r:id="rId9"/>
-    <p:sldId id="288" r:id="rId10"/>
-    <p:sldId id="286" r:id="rId11"/>
-    <p:sldId id="285" r:id="rId12"/>
-    <p:sldId id="287" r:id="rId13"/>
+    <p:sldId id="289" r:id="rId8"/>
+    <p:sldId id="290" r:id="rId9"/>
+    <p:sldId id="292" r:id="rId10"/>
+    <p:sldId id="291" r:id="rId11"/>
+    <p:sldId id="293" r:id="rId12"/>
+    <p:sldId id="294" r:id="rId13"/>
+    <p:sldId id="295" r:id="rId14"/>
+    <p:sldId id="296" r:id="rId15"/>
+    <p:sldId id="287" r:id="rId16"/>
+    <p:sldId id="297" r:id="rId17"/>
   </p:sldIdLst>
   <p:sldSz cx="12192000" cy="6858000"/>
   <p:notesSz cx="6858000" cy="9144000"/>
@@ -208,7 +212,7 @@
           <a:p>
             <a:fld id="{11F04985-1436-48CC-AB2A-4461433CB806}" type="datetimeFigureOut">
               <a:rPr lang="en-US" smtClean="0"/>
-              <a:t>1/15/2020</a:t>
+              <a:t>4/21/2020</a:t>
             </a:fld>
             <a:endParaRPr lang="en-US"/>
           </a:p>
@@ -794,7 +798,7 @@
             <a:fld id="{B61BEF0D-F0BB-DE4B-95CE-6DB70DBA9567}" type="datetimeFigureOut">
               <a:rPr lang="en-US" smtClean="0"/>
               <a:pPr/>
-              <a:t>1/15/2020</a:t>
+              <a:t>4/21/2020</a:t>
             </a:fld>
             <a:endParaRPr lang="en-US" dirty="0"/>
           </a:p>
@@ -1130,7 +1134,7 @@
             <a:fld id="{B61BEF0D-F0BB-DE4B-95CE-6DB70DBA9567}" type="datetimeFigureOut">
               <a:rPr lang="en-US" smtClean="0"/>
               <a:pPr/>
-              <a:t>1/15/2020</a:t>
+              <a:t>4/21/2020</a:t>
             </a:fld>
             <a:endParaRPr lang="en-US" dirty="0"/>
           </a:p>
@@ -1410,7 +1414,7 @@
             <a:fld id="{B61BEF0D-F0BB-DE4B-95CE-6DB70DBA9567}" type="datetimeFigureOut">
               <a:rPr lang="en-US" smtClean="0"/>
               <a:pPr/>
-              <a:t>1/15/2020</a:t>
+              <a:t>4/21/2020</a:t>
             </a:fld>
             <a:endParaRPr lang="en-US" dirty="0"/>
           </a:p>
@@ -1980,7 +1984,7 @@
             <a:fld id="{B61BEF0D-F0BB-DE4B-95CE-6DB70DBA9567}" type="datetimeFigureOut">
               <a:rPr lang="en-US" smtClean="0"/>
               <a:pPr/>
-              <a:t>1/15/2020</a:t>
+              <a:t>4/21/2020</a:t>
             </a:fld>
             <a:endParaRPr lang="en-US" dirty="0"/>
           </a:p>
@@ -2260,7 +2264,7 @@
             <a:fld id="{B61BEF0D-F0BB-DE4B-95CE-6DB70DBA9567}" type="datetimeFigureOut">
               <a:rPr lang="en-US" smtClean="0"/>
               <a:pPr/>
-              <a:t>1/15/2020</a:t>
+              <a:t>4/21/2020</a:t>
             </a:fld>
             <a:endParaRPr lang="en-US" dirty="0"/>
           </a:p>
@@ -2824,7 +2828,7 @@
             <a:fld id="{B61BEF0D-F0BB-DE4B-95CE-6DB70DBA9567}" type="datetimeFigureOut">
               <a:rPr lang="en-US" smtClean="0"/>
               <a:pPr/>
-              <a:t>1/15/2020</a:t>
+              <a:t>4/21/2020</a:t>
             </a:fld>
             <a:endParaRPr lang="en-US" dirty="0"/>
           </a:p>
@@ -3153,7 +3157,7 @@
             <a:fld id="{B61BEF0D-F0BB-DE4B-95CE-6DB70DBA9567}" type="datetimeFigureOut">
               <a:rPr lang="en-US" smtClean="0"/>
               <a:pPr/>
-              <a:t>1/15/2020</a:t>
+              <a:t>4/21/2020</a:t>
             </a:fld>
             <a:endParaRPr lang="en-US" dirty="0"/>
           </a:p>
@@ -3332,7 +3336,7 @@
             <a:fld id="{B61BEF0D-F0BB-DE4B-95CE-6DB70DBA9567}" type="datetimeFigureOut">
               <a:rPr lang="en-US" smtClean="0"/>
               <a:pPr/>
-              <a:t>1/15/2020</a:t>
+              <a:t>4/21/2020</a:t>
             </a:fld>
             <a:endParaRPr lang="en-US" dirty="0"/>
           </a:p>
@@ -3572,7 +3576,7 @@
             <a:fld id="{B61BEF0D-F0BB-DE4B-95CE-6DB70DBA9567}" type="datetimeFigureOut">
               <a:rPr lang="en-US" smtClean="0"/>
               <a:pPr/>
-              <a:t>1/15/2020</a:t>
+              <a:t>4/21/2020</a:t>
             </a:fld>
             <a:endParaRPr lang="en-US" dirty="0"/>
           </a:p>
@@ -3807,7 +3811,7 @@
             <a:fld id="{B61BEF0D-F0BB-DE4B-95CE-6DB70DBA9567}" type="datetimeFigureOut">
               <a:rPr lang="en-US" smtClean="0"/>
               <a:pPr/>
-              <a:t>1/15/2020</a:t>
+              <a:t>4/21/2020</a:t>
             </a:fld>
             <a:endParaRPr lang="en-US" dirty="0"/>
           </a:p>
@@ -4085,7 +4089,7 @@
             <a:fld id="{B61BEF0D-F0BB-DE4B-95CE-6DB70DBA9567}" type="datetimeFigureOut">
               <a:rPr lang="en-US" smtClean="0"/>
               <a:pPr/>
-              <a:t>1/15/2020</a:t>
+              <a:t>4/21/2020</a:t>
             </a:fld>
             <a:endParaRPr lang="en-US" dirty="0"/>
           </a:p>
@@ -4353,7 +4357,7 @@
             <a:fld id="{B61BEF0D-F0BB-DE4B-95CE-6DB70DBA9567}" type="datetimeFigureOut">
               <a:rPr lang="en-US" smtClean="0"/>
               <a:pPr/>
-              <a:t>1/15/2020</a:t>
+              <a:t>4/21/2020</a:t>
             </a:fld>
             <a:endParaRPr lang="en-US" dirty="0"/>
           </a:p>
@@ -4729,7 +4733,7 @@
             <a:fld id="{B61BEF0D-F0BB-DE4B-95CE-6DB70DBA9567}" type="datetimeFigureOut">
               <a:rPr lang="en-US" smtClean="0"/>
               <a:pPr/>
-              <a:t>1/15/2020</a:t>
+              <a:t>4/21/2020</a:t>
             </a:fld>
             <a:endParaRPr lang="en-US" dirty="0"/>
           </a:p>
@@ -4879,7 +4883,7 @@
             <a:fld id="{B61BEF0D-F0BB-DE4B-95CE-6DB70DBA9567}" type="datetimeFigureOut">
               <a:rPr lang="en-US" smtClean="0"/>
               <a:pPr/>
-              <a:t>1/15/2020</a:t>
+              <a:t>4/21/2020</a:t>
             </a:fld>
             <a:endParaRPr lang="en-US" dirty="0"/>
           </a:p>
@@ -5006,7 +5010,7 @@
             <a:fld id="{B61BEF0D-F0BB-DE4B-95CE-6DB70DBA9567}" type="datetimeFigureOut">
               <a:rPr lang="en-US" smtClean="0"/>
               <a:pPr/>
-              <a:t>1/15/2020</a:t>
+              <a:t>4/21/2020</a:t>
             </a:fld>
             <a:endParaRPr lang="en-US" dirty="0"/>
           </a:p>
@@ -5293,7 +5297,7 @@
             <a:fld id="{B61BEF0D-F0BB-DE4B-95CE-6DB70DBA9567}" type="datetimeFigureOut">
               <a:rPr lang="en-US" smtClean="0"/>
               <a:pPr/>
-              <a:t>1/15/2020</a:t>
+              <a:t>4/21/2020</a:t>
             </a:fld>
             <a:endParaRPr lang="en-US" dirty="0"/>
           </a:p>
@@ -5619,7 +5623,7 @@
             <a:fld id="{B61BEF0D-F0BB-DE4B-95CE-6DB70DBA9567}" type="datetimeFigureOut">
               <a:rPr lang="en-US" smtClean="0"/>
               <a:pPr/>
-              <a:t>1/15/2020</a:t>
+              <a:t>4/21/2020</a:t>
             </a:fld>
             <a:endParaRPr lang="en-US" dirty="0"/>
           </a:p>
@@ -5835,7 +5839,7 @@
             <a:fld id="{B61BEF0D-F0BB-DE4B-95CE-6DB70DBA9567}" type="datetimeFigureOut">
               <a:rPr lang="en-US" smtClean="0"/>
               <a:pPr/>
-              <a:t>1/15/2020</a:t>
+              <a:t>4/21/2020</a:t>
             </a:fld>
             <a:endParaRPr lang="en-US" dirty="0"/>
           </a:p>
@@ -6657,7 +6661,7 @@
             <a:pPr algn="l"/>
             <a:r>
               <a:rPr lang="en-US" sz="2000" dirty="0"/>
-              <a:t>Jesse.liberty@non.se.com</a:t>
+              <a:t>http://jesseliberty.com</a:t>
             </a:r>
           </a:p>
         </p:txBody>
@@ -6725,7 +6729,7 @@
           <p:cNvPr id="2" name="Rectangle 1">
             <a:extLst>
               <a:ext uri="{FF2B5EF4-FFF2-40B4-BE49-F238E27FC236}">
-                <a16:creationId xmlns:a16="http://schemas.microsoft.com/office/drawing/2014/main" id="{2E30B39D-F507-C345-BD6D-35AA405AF5D1}"/>
+                <a16:creationId xmlns:a16="http://schemas.microsoft.com/office/drawing/2014/main" id="{CDE36E42-2643-4A6A-90DC-2A1D7F421F25}"/>
               </a:ext>
             </a:extLst>
           </p:cNvPr>
@@ -6734,8 +6738,8 @@
         </p:nvSpPr>
         <p:spPr>
           <a:xfrm>
-            <a:off x="3048000" y="1351508"/>
-            <a:ext cx="6096000" cy="2677656"/>
+            <a:off x="3048000" y="2136339"/>
+            <a:ext cx="6096000" cy="2585323"/>
           </a:xfrm>
           <a:prstGeom prst="rect">
             <a:avLst/>
@@ -6748,49 +6752,96 @@
           <a:lstStyle/>
           <a:p>
             <a:r>
-              <a:rPr lang="en-US" sz="2400" dirty="0"/>
+              <a:rPr lang="en-US" dirty="0"/>
               <a:t>vehicle switch</a:t>
             </a:r>
           </a:p>
           <a:p>
             <a:r>
-              <a:rPr lang="en-US" sz="2400" dirty="0"/>
+              <a:rPr lang="en-US" dirty="0"/>
               <a:t>{</a:t>
             </a:r>
           </a:p>
           <a:p>
             <a:r>
-              <a:rPr lang="en-US" sz="2400" dirty="0"/>
+              <a:rPr lang="en-US" dirty="0"/>
               <a:t>    Car { Passengers: 0}        =&gt; 2.00m + 0.50m,</a:t>
             </a:r>
           </a:p>
           <a:p>
             <a:r>
-              <a:rPr lang="en-US" sz="2400" dirty="0"/>
-              <a:t>    Car { Passengers: 1}        =&gt; 2.0m,</a:t>
-            </a:r>
-          </a:p>
-          <a:p>
-            <a:r>
-              <a:rPr lang="en-US" sz="2400" dirty="0"/>
+              <a:rPr lang="en-US" dirty="0"/>
+              <a:t>    Car { Passengers: 1 }       =&gt; 2.0m,</a:t>
+            </a:r>
+          </a:p>
+          <a:p>
+            <a:r>
+              <a:rPr lang="en-US" dirty="0"/>
               <a:t>    Car { Passengers: 2}        =&gt; 2.0m - 0.50m,</a:t>
             </a:r>
           </a:p>
           <a:p>
             <a:r>
-              <a:rPr lang="en-US" sz="2400" dirty="0"/>
+              <a:rPr lang="en-US" dirty="0"/>
               <a:t>    Car c                       =&gt; 2.00m - 1.0m,</a:t>
             </a:r>
           </a:p>
           <a:p>
-            <a:endParaRPr lang="en-US" sz="2400" dirty="0"/>
+            <a:endParaRPr lang="en-US" dirty="0"/>
+          </a:p>
+          <a:p>
+            <a:r>
+              <a:rPr lang="en-US" dirty="0"/>
+              <a:t>    // ...</a:t>
+            </a:r>
+          </a:p>
+          <a:p>
+            <a:r>
+              <a:rPr lang="en-US" dirty="0"/>
+              <a:t>};</a:t>
+            </a:r>
+          </a:p>
+        </p:txBody>
+      </p:sp>
+      <p:sp>
+        <p:nvSpPr>
+          <p:cNvPr id="3" name="TextBox 2">
+            <a:extLst>
+              <a:ext uri="{FF2B5EF4-FFF2-40B4-BE49-F238E27FC236}">
+                <a16:creationId xmlns:a16="http://schemas.microsoft.com/office/drawing/2014/main" id="{33B2B531-AEE8-4285-B83C-40CC9B59A677}"/>
+              </a:ext>
+            </a:extLst>
+          </p:cNvPr>
+          <p:cNvSpPr txBox="1"/>
+          <p:nvPr/>
+        </p:nvSpPr>
+        <p:spPr>
+          <a:xfrm>
+            <a:off x="2253343" y="1155246"/>
+            <a:ext cx="5392511" cy="369332"/>
+          </a:xfrm>
+          <a:prstGeom prst="rect">
+            <a:avLst/>
+          </a:prstGeom>
+          <a:noFill/>
+        </p:spPr>
+        <p:txBody>
+          <a:bodyPr wrap="square" rtlCol="0">
+            <a:spAutoFit/>
+          </a:bodyPr>
+          <a:lstStyle/>
+          <a:p>
+            <a:r>
+              <a:rPr lang="en-US" dirty="0"/>
+              <a:t>Property Pattern…</a:t>
+            </a:r>
           </a:p>
         </p:txBody>
       </p:sp>
     </p:spTree>
     <p:extLst>
       <p:ext uri="{BB962C8B-B14F-4D97-AF65-F5344CB8AC3E}">
-        <p14:creationId xmlns:p14="http://schemas.microsoft.com/office/powerpoint/2010/main" val="1663819386"/>
+        <p14:creationId xmlns:p14="http://schemas.microsoft.com/office/powerpoint/2010/main" val="3443709983"/>
       </p:ext>
     </p:extLst>
   </p:cSld>
@@ -6819,10 +6870,10 @@
       </p:grpSpPr>
       <p:sp>
         <p:nvSpPr>
-          <p:cNvPr id="4" name="Rectangle 3">
+          <p:cNvPr id="2" name="Rectangle 1">
             <a:extLst>
               <a:ext uri="{FF2B5EF4-FFF2-40B4-BE49-F238E27FC236}">
-                <a16:creationId xmlns:a16="http://schemas.microsoft.com/office/drawing/2014/main" id="{34EC5337-6B3F-47CF-9D80-F2BC5DC56FCE}"/>
+                <a16:creationId xmlns:a16="http://schemas.microsoft.com/office/drawing/2014/main" id="{340FB943-70CE-4B23-87FE-7B72D9F44BF8}"/>
               </a:ext>
             </a:extLst>
           </p:cNvPr>
@@ -6831,158 +6882,110 @@
         </p:nvSpPr>
         <p:spPr>
           <a:xfrm>
-            <a:off x="3048000" y="691166"/>
-            <a:ext cx="6096000" cy="5601533"/>
+            <a:off x="1592036" y="1790237"/>
+            <a:ext cx="7911193" cy="2862322"/>
           </a:xfrm>
           <a:prstGeom prst="rect">
             <a:avLst/>
           </a:prstGeom>
         </p:spPr>
         <p:txBody>
-          <a:bodyPr>
+          <a:bodyPr wrap="square">
             <a:spAutoFit/>
           </a:bodyPr>
           <a:lstStyle/>
           <a:p>
             <a:r>
-              <a:rPr lang="en-US" sz="2400" dirty="0"/>
-              <a:t>public decimal </a:t>
-            </a:r>
-            <a:r>
-              <a:rPr lang="en-US" sz="2400" dirty="0" err="1"/>
-              <a:t>CalculateToll</a:t>
-            </a:r>
-            <a:r>
-              <a:rPr lang="en-US" sz="2400" dirty="0"/>
-              <a:t>(object vehicle) =&gt;</a:t>
-            </a:r>
-          </a:p>
-          <a:p>
-            <a:r>
-              <a:rPr lang="en-US" sz="2400" dirty="0"/>
-              <a:t>    vehicle </a:t>
-            </a:r>
-            <a:r>
-              <a:rPr lang="en-US" sz="2400" b="1" dirty="0"/>
-              <a:t>switch</a:t>
-            </a:r>
-          </a:p>
-          <a:p>
-            <a:r>
-              <a:rPr lang="en-US" sz="2400" dirty="0"/>
-              <a:t>    {</a:t>
-            </a:r>
-          </a:p>
-          <a:p>
-            <a:r>
-              <a:rPr lang="en-US" sz="2400" dirty="0"/>
-              <a:t>        Car c =&gt; </a:t>
-            </a:r>
-            <a:r>
-              <a:rPr lang="en-US" sz="2400" dirty="0" err="1"/>
-              <a:t>c.Passengers</a:t>
-            </a:r>
-            <a:r>
-              <a:rPr lang="en-US" sz="2400" dirty="0"/>
-              <a:t> </a:t>
-            </a:r>
-            <a:r>
-              <a:rPr lang="en-US" sz="2400" b="1" dirty="0"/>
-              <a:t>switch</a:t>
-            </a:r>
-          </a:p>
-          <a:p>
-            <a:r>
-              <a:rPr lang="en-US" sz="2400" dirty="0"/>
-              <a:t>        {</a:t>
-            </a:r>
-          </a:p>
-          <a:p>
-            <a:r>
-              <a:rPr lang="en-US" sz="2400" dirty="0"/>
-              <a:t>            0 =&gt; 2.00m + 0.5m,</a:t>
-            </a:r>
-          </a:p>
-          <a:p>
-            <a:r>
-              <a:rPr lang="en-US" sz="2400" dirty="0"/>
-              <a:t>            1 =&gt; 2.0m,</a:t>
-            </a:r>
-          </a:p>
-          <a:p>
-            <a:r>
-              <a:rPr lang="en-US" sz="2400" dirty="0"/>
-              <a:t>            2 =&gt; 2.0m - 0.5m,</a:t>
-            </a:r>
-          </a:p>
-          <a:p>
-            <a:r>
-              <a:rPr lang="en-US" sz="2400" dirty="0"/>
-              <a:t>            </a:t>
-            </a:r>
-            <a:r>
-              <a:rPr lang="en-US" sz="2400" b="1" dirty="0"/>
-              <a:t>_</a:t>
-            </a:r>
-            <a:r>
-              <a:rPr lang="en-US" sz="2400" dirty="0"/>
-              <a:t> =&gt; 2.00m - 1.0m</a:t>
-            </a:r>
-          </a:p>
-          <a:p>
-            <a:r>
-              <a:rPr lang="en-US" sz="2400" dirty="0"/>
-              <a:t>        },</a:t>
-            </a:r>
-          </a:p>
-          <a:p>
-            <a:r>
-              <a:rPr lang="en-US" sz="2000" dirty="0"/>
-              <a:t>          Taxi t =&gt; </a:t>
-            </a:r>
-            <a:r>
-              <a:rPr lang="en-US" sz="2000" dirty="0" err="1"/>
-              <a:t>t.Passengers</a:t>
-            </a:r>
-            <a:r>
-              <a:rPr lang="en-US" sz="2000" dirty="0"/>
-              <a:t> switch</a:t>
-            </a:r>
-          </a:p>
-          <a:p>
-            <a:r>
-              <a:rPr lang="en-US" sz="2000" dirty="0"/>
-              <a:t>         {</a:t>
-            </a:r>
-          </a:p>
-          <a:p>
-            <a:r>
-              <a:rPr lang="en-US" sz="2000" dirty="0"/>
-              <a:t>             …</a:t>
-            </a:r>
-          </a:p>
-          <a:p>
-            <a:r>
-              <a:rPr lang="en-US" sz="2000" dirty="0"/>
-              <a:t>         }</a:t>
-            </a:r>
-          </a:p>
-          <a:p>
-            <a:r>
-              <a:rPr lang="en-US" sz="2000" dirty="0"/>
-              <a:t>        </a:t>
-            </a:r>
-            <a:endParaRPr lang="en-US" dirty="0"/>
-          </a:p>
-          <a:p>
-            <a:endParaRPr lang="en-US" dirty="0"/>
+              <a:rPr lang="en-US" dirty="0"/>
+              <a:t>vehicle switch</a:t>
+            </a:r>
+          </a:p>
+          <a:p>
+            <a:r>
+              <a:rPr lang="en-US" dirty="0"/>
+              <a:t>{</a:t>
+            </a:r>
+          </a:p>
+          <a:p>
+            <a:r>
+              <a:rPr lang="en-US" dirty="0"/>
+              <a:t>    // ...</a:t>
+            </a:r>
+          </a:p>
+          <a:p>
+            <a:endParaRPr lang="en-US" dirty="0"/>
+          </a:p>
+          <a:p>
+            <a:r>
+              <a:rPr lang="en-US" dirty="0"/>
+              <a:t>    Bus b when ((double)</a:t>
+            </a:r>
+            <a:r>
+              <a:rPr lang="en-US" dirty="0" err="1"/>
+              <a:t>b.Riders</a:t>
+            </a:r>
+            <a:r>
+              <a:rPr lang="en-US" dirty="0"/>
+              <a:t> / (double)</a:t>
+            </a:r>
+            <a:r>
+              <a:rPr lang="en-US" dirty="0" err="1"/>
+              <a:t>b.Capacity</a:t>
+            </a:r>
+            <a:r>
+              <a:rPr lang="en-US" dirty="0"/>
+              <a:t>) &lt; 0.50 =&gt; 5.00m + 2.00m,</a:t>
+            </a:r>
+          </a:p>
+          <a:p>
+            <a:r>
+              <a:rPr lang="en-US" dirty="0"/>
+              <a:t>    Bus b when ((double)</a:t>
+            </a:r>
+            <a:r>
+              <a:rPr lang="en-US" dirty="0" err="1"/>
+              <a:t>b.Riders</a:t>
+            </a:r>
+            <a:r>
+              <a:rPr lang="en-US" dirty="0"/>
+              <a:t> / (double)</a:t>
+            </a:r>
+            <a:r>
+              <a:rPr lang="en-US" dirty="0" err="1"/>
+              <a:t>b.Capacity</a:t>
+            </a:r>
+            <a:r>
+              <a:rPr lang="en-US" dirty="0"/>
+              <a:t>) &gt; 0.90 =&gt; 5.00m - 1.00m,</a:t>
+            </a:r>
+          </a:p>
+          <a:p>
+            <a:r>
+              <a:rPr lang="en-US" dirty="0"/>
+              <a:t>    Bus b =&gt; 5.00m,</a:t>
+            </a:r>
+          </a:p>
+          <a:p>
+            <a:endParaRPr lang="en-US" dirty="0"/>
+          </a:p>
+          <a:p>
+            <a:r>
+              <a:rPr lang="en-US" dirty="0"/>
+              <a:t>    // ...</a:t>
+            </a:r>
+          </a:p>
+          <a:p>
+            <a:r>
+              <a:rPr lang="en-US" dirty="0"/>
+              <a:t>};</a:t>
+            </a:r>
           </a:p>
         </p:txBody>
       </p:sp>
     </p:spTree>
     <p:extLst>
       <p:ext uri="{BB962C8B-B14F-4D97-AF65-F5344CB8AC3E}">
-        <p14:creationId xmlns:p14="http://schemas.microsoft.com/office/powerpoint/2010/main" val="3717176570"/>
+        <p14:creationId xmlns:p14="http://schemas.microsoft.com/office/powerpoint/2010/main" val="3733403618"/>
       </p:ext>
     </p:extLst>
   </p:cSld>
@@ -7014,6 +7017,591 @@
           <p:cNvPr id="3" name="Rectangle 2">
             <a:extLst>
               <a:ext uri="{FF2B5EF4-FFF2-40B4-BE49-F238E27FC236}">
+                <a16:creationId xmlns:a16="http://schemas.microsoft.com/office/drawing/2014/main" id="{08809AA2-BEB5-4243-91AE-3ED51E0D4A1B}"/>
+              </a:ext>
+            </a:extLst>
+          </p:cNvPr>
+          <p:cNvSpPr/>
+          <p:nvPr/>
+        </p:nvSpPr>
+        <p:spPr>
+          <a:xfrm>
+            <a:off x="3007178" y="1414093"/>
+            <a:ext cx="6096000" cy="5078313"/>
+          </a:xfrm>
+          <a:prstGeom prst="rect">
+            <a:avLst/>
+          </a:prstGeom>
+        </p:spPr>
+        <p:txBody>
+          <a:bodyPr>
+            <a:spAutoFit/>
+          </a:bodyPr>
+          <a:lstStyle/>
+          <a:p>
+            <a:r>
+              <a:rPr lang="en-US" dirty="0"/>
+              <a:t>public decimal </a:t>
+            </a:r>
+            <a:r>
+              <a:rPr lang="en-US" dirty="0" err="1"/>
+              <a:t>CalculateToll</a:t>
+            </a:r>
+            <a:r>
+              <a:rPr lang="en-US" dirty="0"/>
+              <a:t>(object vehicle) =&gt;</a:t>
+            </a:r>
+          </a:p>
+          <a:p>
+            <a:r>
+              <a:rPr lang="en-US" dirty="0"/>
+              <a:t>    vehicle switch</a:t>
+            </a:r>
+          </a:p>
+          <a:p>
+            <a:r>
+              <a:rPr lang="en-US" dirty="0"/>
+              <a:t>    {</a:t>
+            </a:r>
+          </a:p>
+          <a:p>
+            <a:r>
+              <a:rPr lang="en-US" dirty="0"/>
+              <a:t>        Car c =&gt; </a:t>
+            </a:r>
+            <a:r>
+              <a:rPr lang="en-US" dirty="0" err="1"/>
+              <a:t>c.Passengers</a:t>
+            </a:r>
+            <a:r>
+              <a:rPr lang="en-US" dirty="0"/>
+              <a:t> switch</a:t>
+            </a:r>
+          </a:p>
+          <a:p>
+            <a:r>
+              <a:rPr lang="en-US" dirty="0"/>
+              <a:t>        {</a:t>
+            </a:r>
+          </a:p>
+          <a:p>
+            <a:r>
+              <a:rPr lang="en-US" dirty="0"/>
+              <a:t>            0 =&gt; 2.00m + 0.5m,</a:t>
+            </a:r>
+          </a:p>
+          <a:p>
+            <a:r>
+              <a:rPr lang="en-US" dirty="0"/>
+              <a:t>            1 =&gt; 2.0m,</a:t>
+            </a:r>
+          </a:p>
+          <a:p>
+            <a:r>
+              <a:rPr lang="en-US" dirty="0"/>
+              <a:t>            2 =&gt; 2.0m - 0.5m,</a:t>
+            </a:r>
+          </a:p>
+          <a:p>
+            <a:r>
+              <a:rPr lang="en-US" dirty="0"/>
+              <a:t>            _ =&gt; 2.00m - 1.0m</a:t>
+            </a:r>
+          </a:p>
+          <a:p>
+            <a:r>
+              <a:rPr lang="en-US" dirty="0"/>
+              <a:t>         }</a:t>
+            </a:r>
+          </a:p>
+          <a:p>
+            <a:r>
+              <a:rPr lang="en-US" dirty="0"/>
+              <a:t>       Taxi t =&gt; </a:t>
+            </a:r>
+            <a:r>
+              <a:rPr lang="en-US" dirty="0" err="1"/>
+              <a:t>t.Fares</a:t>
+            </a:r>
+            <a:r>
+              <a:rPr lang="en-US" dirty="0"/>
+              <a:t> switch</a:t>
+            </a:r>
+          </a:p>
+          <a:p>
+            <a:r>
+              <a:rPr lang="en-US" dirty="0"/>
+              <a:t>        {</a:t>
+            </a:r>
+          </a:p>
+          <a:p>
+            <a:r>
+              <a:rPr lang="en-US" dirty="0"/>
+              <a:t>            0 =&gt; 3.50m + 1.00m,</a:t>
+            </a:r>
+          </a:p>
+          <a:p>
+            <a:r>
+              <a:rPr lang="en-US" dirty="0"/>
+              <a:t>            1 =&gt; 3.50m,</a:t>
+            </a:r>
+          </a:p>
+          <a:p>
+            <a:r>
+              <a:rPr lang="en-US" dirty="0"/>
+              <a:t>            2 =&gt; 3.50m - 0.50m,</a:t>
+            </a:r>
+          </a:p>
+          <a:p>
+            <a:r>
+              <a:rPr lang="en-US" dirty="0"/>
+              <a:t>            _ =&gt; 3.50m - 1.00m</a:t>
+            </a:r>
+          </a:p>
+          <a:p>
+            <a:r>
+              <a:rPr lang="en-US" dirty="0"/>
+              <a:t>        },</a:t>
+            </a:r>
+          </a:p>
+          <a:p>
+            <a:r>
+              <a:rPr lang="en-US" dirty="0"/>
+              <a:t>        </a:t>
+            </a:r>
+          </a:p>
+        </p:txBody>
+      </p:sp>
+      <p:sp>
+        <p:nvSpPr>
+          <p:cNvPr id="4" name="TextBox 3">
+            <a:extLst>
+              <a:ext uri="{FF2B5EF4-FFF2-40B4-BE49-F238E27FC236}">
+                <a16:creationId xmlns:a16="http://schemas.microsoft.com/office/drawing/2014/main" id="{600D271F-6C7A-487C-9888-C7F97F311775}"/>
+              </a:ext>
+            </a:extLst>
+          </p:cNvPr>
+          <p:cNvSpPr txBox="1"/>
+          <p:nvPr/>
+        </p:nvSpPr>
+        <p:spPr>
+          <a:xfrm>
+            <a:off x="2669721" y="759279"/>
+            <a:ext cx="4927147" cy="369332"/>
+          </a:xfrm>
+          <a:prstGeom prst="rect">
+            <a:avLst/>
+          </a:prstGeom>
+          <a:noFill/>
+        </p:spPr>
+        <p:txBody>
+          <a:bodyPr wrap="square" rtlCol="0">
+            <a:spAutoFit/>
+          </a:bodyPr>
+          <a:lstStyle/>
+          <a:p>
+            <a:r>
+              <a:rPr lang="en-US" dirty="0"/>
+              <a:t>Recursive Pattern…</a:t>
+            </a:r>
+          </a:p>
+        </p:txBody>
+      </p:sp>
+    </p:spTree>
+    <p:extLst>
+      <p:ext uri="{BB962C8B-B14F-4D97-AF65-F5344CB8AC3E}">
+        <p14:creationId xmlns:p14="http://schemas.microsoft.com/office/powerpoint/2010/main" val="3831476141"/>
+      </p:ext>
+    </p:extLst>
+  </p:cSld>
+  <p:clrMapOvr>
+    <a:masterClrMapping/>
+  </p:clrMapOvr>
+</p:sld>
+</file>
+
+<file path=ppt/slides/slide13.xml><?xml version="1.0" encoding="utf-8"?>
+<p:sld xmlns:a="http://schemas.openxmlformats.org/drawingml/2006/main" xmlns:r="http://schemas.openxmlformats.org/officeDocument/2006/relationships" xmlns:p="http://schemas.openxmlformats.org/presentationml/2006/main">
+  <p:cSld>
+    <p:spTree>
+      <p:nvGrpSpPr>
+        <p:cNvPr id="1" name=""/>
+        <p:cNvGrpSpPr/>
+        <p:nvPr/>
+      </p:nvGrpSpPr>
+      <p:grpSpPr>
+        <a:xfrm>
+          <a:off x="0" y="0"/>
+          <a:ext cx="0" cy="0"/>
+          <a:chOff x="0" y="0"/>
+          <a:chExt cx="0" cy="0"/>
+        </a:xfrm>
+      </p:grpSpPr>
+      <p:sp>
+        <p:nvSpPr>
+          <p:cNvPr id="2" name="Rectangle 1">
+            <a:extLst>
+              <a:ext uri="{FF2B5EF4-FFF2-40B4-BE49-F238E27FC236}">
+                <a16:creationId xmlns:a16="http://schemas.microsoft.com/office/drawing/2014/main" id="{767518D4-74E3-4664-A4D1-AD38B7E029FE}"/>
+              </a:ext>
+            </a:extLst>
+          </p:cNvPr>
+          <p:cNvSpPr/>
+          <p:nvPr/>
+        </p:nvSpPr>
+        <p:spPr>
+          <a:xfrm>
+            <a:off x="3048000" y="1859340"/>
+            <a:ext cx="6096000" cy="3139321"/>
+          </a:xfrm>
+          <a:prstGeom prst="rect">
+            <a:avLst/>
+          </a:prstGeom>
+        </p:spPr>
+        <p:txBody>
+          <a:bodyPr>
+            <a:spAutoFit/>
+          </a:bodyPr>
+          <a:lstStyle/>
+          <a:p>
+            <a:r>
+              <a:rPr lang="en-US" dirty="0"/>
+              <a:t>private static bool </a:t>
+            </a:r>
+            <a:r>
+              <a:rPr lang="en-US" dirty="0" err="1"/>
+              <a:t>IsWeekDay</a:t>
+            </a:r>
+            <a:r>
+              <a:rPr lang="en-US" dirty="0"/>
+              <a:t>(</a:t>
+            </a:r>
+            <a:r>
+              <a:rPr lang="en-US" dirty="0" err="1"/>
+              <a:t>DateTime</a:t>
+            </a:r>
+            <a:r>
+              <a:rPr lang="en-US" dirty="0"/>
+              <a:t> </a:t>
+            </a:r>
+            <a:r>
+              <a:rPr lang="en-US" dirty="0" err="1"/>
+              <a:t>timeOfToll</a:t>
+            </a:r>
+            <a:r>
+              <a:rPr lang="en-US" dirty="0"/>
+              <a:t>) =&gt;</a:t>
+            </a:r>
+          </a:p>
+          <a:p>
+            <a:r>
+              <a:rPr lang="en-US" dirty="0"/>
+              <a:t>    </a:t>
+            </a:r>
+            <a:r>
+              <a:rPr lang="en-US" dirty="0" err="1"/>
+              <a:t>timeOfToll.DayOfWeek</a:t>
+            </a:r>
+            <a:r>
+              <a:rPr lang="en-US" dirty="0"/>
+              <a:t> switch</a:t>
+            </a:r>
+          </a:p>
+          <a:p>
+            <a:r>
+              <a:rPr lang="en-US" dirty="0"/>
+              <a:t>    {</a:t>
+            </a:r>
+          </a:p>
+          <a:p>
+            <a:r>
+              <a:rPr lang="en-US" dirty="0"/>
+              <a:t>        </a:t>
+            </a:r>
+            <a:r>
+              <a:rPr lang="en-US" dirty="0" err="1"/>
+              <a:t>DayOfWeek.Monday</a:t>
+            </a:r>
+            <a:r>
+              <a:rPr lang="en-US" dirty="0"/>
+              <a:t>    =&gt; true,</a:t>
+            </a:r>
+          </a:p>
+          <a:p>
+            <a:r>
+              <a:rPr lang="en-US" dirty="0"/>
+              <a:t>        </a:t>
+            </a:r>
+            <a:r>
+              <a:rPr lang="en-US" dirty="0" err="1"/>
+              <a:t>DayOfWeek.Tuesday</a:t>
+            </a:r>
+            <a:r>
+              <a:rPr lang="en-US" dirty="0"/>
+              <a:t>   =&gt; true,</a:t>
+            </a:r>
+          </a:p>
+          <a:p>
+            <a:r>
+              <a:rPr lang="en-US" dirty="0"/>
+              <a:t>        </a:t>
+            </a:r>
+            <a:r>
+              <a:rPr lang="en-US" dirty="0" err="1"/>
+              <a:t>DayOfWeek.Wednesday</a:t>
+            </a:r>
+            <a:r>
+              <a:rPr lang="en-US" dirty="0"/>
+              <a:t> =&gt; true,</a:t>
+            </a:r>
+          </a:p>
+          <a:p>
+            <a:r>
+              <a:rPr lang="en-US" dirty="0"/>
+              <a:t>        </a:t>
+            </a:r>
+            <a:r>
+              <a:rPr lang="en-US" dirty="0" err="1"/>
+              <a:t>DayOfWeek.Thursday</a:t>
+            </a:r>
+            <a:r>
+              <a:rPr lang="en-US" dirty="0"/>
+              <a:t>  =&gt; true,</a:t>
+            </a:r>
+          </a:p>
+          <a:p>
+            <a:r>
+              <a:rPr lang="en-US" dirty="0"/>
+              <a:t>        </a:t>
+            </a:r>
+            <a:r>
+              <a:rPr lang="en-US" dirty="0" err="1"/>
+              <a:t>DayOfWeek.Friday</a:t>
+            </a:r>
+            <a:r>
+              <a:rPr lang="en-US" dirty="0"/>
+              <a:t>    =&gt; true,</a:t>
+            </a:r>
+          </a:p>
+          <a:p>
+            <a:r>
+              <a:rPr lang="en-US" dirty="0"/>
+              <a:t>        </a:t>
+            </a:r>
+            <a:r>
+              <a:rPr lang="en-US" dirty="0" err="1"/>
+              <a:t>DayOfWeek.Saturday</a:t>
+            </a:r>
+            <a:r>
+              <a:rPr lang="en-US" dirty="0"/>
+              <a:t>  =&gt; false,</a:t>
+            </a:r>
+          </a:p>
+          <a:p>
+            <a:r>
+              <a:rPr lang="en-US" dirty="0"/>
+              <a:t>        </a:t>
+            </a:r>
+            <a:r>
+              <a:rPr lang="en-US" dirty="0" err="1"/>
+              <a:t>DayOfWeek.Sunday</a:t>
+            </a:r>
+            <a:r>
+              <a:rPr lang="en-US" dirty="0"/>
+              <a:t>    =&gt; false</a:t>
+            </a:r>
+          </a:p>
+          <a:p>
+            <a:r>
+              <a:rPr lang="en-US" dirty="0"/>
+              <a:t>    };</a:t>
+            </a:r>
+          </a:p>
+        </p:txBody>
+      </p:sp>
+    </p:spTree>
+    <p:extLst>
+      <p:ext uri="{BB962C8B-B14F-4D97-AF65-F5344CB8AC3E}">
+        <p14:creationId xmlns:p14="http://schemas.microsoft.com/office/powerpoint/2010/main" val="2597282179"/>
+      </p:ext>
+    </p:extLst>
+  </p:cSld>
+  <p:clrMapOvr>
+    <a:masterClrMapping/>
+  </p:clrMapOvr>
+</p:sld>
+</file>
+
+<file path=ppt/slides/slide14.xml><?xml version="1.0" encoding="utf-8"?>
+<p:sld xmlns:a="http://schemas.openxmlformats.org/drawingml/2006/main" xmlns:r="http://schemas.openxmlformats.org/officeDocument/2006/relationships" xmlns:p="http://schemas.openxmlformats.org/presentationml/2006/main">
+  <p:cSld>
+    <p:spTree>
+      <p:nvGrpSpPr>
+        <p:cNvPr id="1" name=""/>
+        <p:cNvGrpSpPr/>
+        <p:nvPr/>
+      </p:nvGrpSpPr>
+      <p:grpSpPr>
+        <a:xfrm>
+          <a:off x="0" y="0"/>
+          <a:ext cx="0" cy="0"/>
+          <a:chOff x="0" y="0"/>
+          <a:chExt cx="0" cy="0"/>
+        </a:xfrm>
+      </p:grpSpPr>
+      <p:sp>
+        <p:nvSpPr>
+          <p:cNvPr id="2" name="Rectangle 1">
+            <a:extLst>
+              <a:ext uri="{FF2B5EF4-FFF2-40B4-BE49-F238E27FC236}">
+                <a16:creationId xmlns:a16="http://schemas.microsoft.com/office/drawing/2014/main" id="{029B43D1-E4A3-4D21-8D62-8BFD88F221B9}"/>
+              </a:ext>
+            </a:extLst>
+          </p:cNvPr>
+          <p:cNvSpPr/>
+          <p:nvPr/>
+        </p:nvSpPr>
+        <p:spPr>
+          <a:xfrm>
+            <a:off x="3048000" y="2413338"/>
+            <a:ext cx="6096000" cy="2031325"/>
+          </a:xfrm>
+          <a:prstGeom prst="rect">
+            <a:avLst/>
+          </a:prstGeom>
+        </p:spPr>
+        <p:txBody>
+          <a:bodyPr>
+            <a:spAutoFit/>
+          </a:bodyPr>
+          <a:lstStyle/>
+          <a:p>
+            <a:r>
+              <a:rPr lang="en-US" dirty="0"/>
+              <a:t>private static bool </a:t>
+            </a:r>
+            <a:r>
+              <a:rPr lang="en-US" dirty="0" err="1"/>
+              <a:t>IsWeekDay</a:t>
+            </a:r>
+            <a:r>
+              <a:rPr lang="en-US" dirty="0"/>
+              <a:t>(</a:t>
+            </a:r>
+            <a:r>
+              <a:rPr lang="en-US" dirty="0" err="1"/>
+              <a:t>DateTime</a:t>
+            </a:r>
+            <a:r>
+              <a:rPr lang="en-US" dirty="0"/>
+              <a:t> </a:t>
+            </a:r>
+            <a:r>
+              <a:rPr lang="en-US" dirty="0" err="1"/>
+              <a:t>timeOfToll</a:t>
+            </a:r>
+            <a:r>
+              <a:rPr lang="en-US" dirty="0"/>
+              <a:t>) =&gt;</a:t>
+            </a:r>
+          </a:p>
+          <a:p>
+            <a:r>
+              <a:rPr lang="en-US" dirty="0"/>
+              <a:t>    </a:t>
+            </a:r>
+            <a:r>
+              <a:rPr lang="en-US" dirty="0" err="1"/>
+              <a:t>timeOfToll.DayOfWeek</a:t>
+            </a:r>
+            <a:r>
+              <a:rPr lang="en-US" dirty="0"/>
+              <a:t> switch</a:t>
+            </a:r>
+          </a:p>
+          <a:p>
+            <a:r>
+              <a:rPr lang="en-US" dirty="0"/>
+              <a:t>    {</a:t>
+            </a:r>
+          </a:p>
+          <a:p>
+            <a:r>
+              <a:rPr lang="en-US" dirty="0"/>
+              <a:t>        </a:t>
+            </a:r>
+            <a:r>
+              <a:rPr lang="en-US" dirty="0" err="1"/>
+              <a:t>DayOfWeek.Saturday</a:t>
+            </a:r>
+            <a:r>
+              <a:rPr lang="en-US" dirty="0"/>
+              <a:t> =&gt; false,</a:t>
+            </a:r>
+          </a:p>
+          <a:p>
+            <a:r>
+              <a:rPr lang="en-US" dirty="0"/>
+              <a:t>        </a:t>
+            </a:r>
+            <a:r>
+              <a:rPr lang="en-US" dirty="0" err="1"/>
+              <a:t>DayOfWeek.Sunday</a:t>
+            </a:r>
+            <a:r>
+              <a:rPr lang="en-US" dirty="0"/>
+              <a:t>   =&gt; false,</a:t>
+            </a:r>
+          </a:p>
+          <a:p>
+            <a:r>
+              <a:rPr lang="en-US" dirty="0"/>
+              <a:t>        _                  =&gt; true</a:t>
+            </a:r>
+          </a:p>
+          <a:p>
+            <a:r>
+              <a:rPr lang="en-US" dirty="0"/>
+              <a:t>    };</a:t>
+            </a:r>
+          </a:p>
+        </p:txBody>
+      </p:sp>
+    </p:spTree>
+    <p:extLst>
+      <p:ext uri="{BB962C8B-B14F-4D97-AF65-F5344CB8AC3E}">
+        <p14:creationId xmlns:p14="http://schemas.microsoft.com/office/powerpoint/2010/main" val="4260562329"/>
+      </p:ext>
+    </p:extLst>
+  </p:cSld>
+  <p:clrMapOvr>
+    <a:masterClrMapping/>
+  </p:clrMapOvr>
+</p:sld>
+</file>
+
+<file path=ppt/slides/slide15.xml><?xml version="1.0" encoding="utf-8"?>
+<p:sld xmlns:a="http://schemas.openxmlformats.org/drawingml/2006/main" xmlns:r="http://schemas.openxmlformats.org/officeDocument/2006/relationships" xmlns:p="http://schemas.openxmlformats.org/presentationml/2006/main">
+  <p:cSld>
+    <p:spTree>
+      <p:nvGrpSpPr>
+        <p:cNvPr id="1" name=""/>
+        <p:cNvGrpSpPr/>
+        <p:nvPr/>
+      </p:nvGrpSpPr>
+      <p:grpSpPr>
+        <a:xfrm>
+          <a:off x="0" y="0"/>
+          <a:ext cx="0" cy="0"/>
+          <a:chOff x="0" y="0"/>
+          <a:chExt cx="0" cy="0"/>
+        </a:xfrm>
+      </p:grpSpPr>
+      <p:sp>
+        <p:nvSpPr>
+          <p:cNvPr id="3" name="Rectangle 2">
+            <a:extLst>
+              <a:ext uri="{FF2B5EF4-FFF2-40B4-BE49-F238E27FC236}">
                 <a16:creationId xmlns:a16="http://schemas.microsoft.com/office/drawing/2014/main" id="{95C8ACB0-3379-4856-B5F9-01DC18F6649B}"/>
               </a:ext>
             </a:extLst>
@@ -7047,6 +7635,80 @@
     <p:extLst>
       <p:ext uri="{BB962C8B-B14F-4D97-AF65-F5344CB8AC3E}">
         <p14:creationId xmlns:p14="http://schemas.microsoft.com/office/powerpoint/2010/main" val="3259156353"/>
+      </p:ext>
+    </p:extLst>
+  </p:cSld>
+  <p:clrMapOvr>
+    <a:masterClrMapping/>
+  </p:clrMapOvr>
+</p:sld>
+</file>
+
+<file path=ppt/slides/slide16.xml><?xml version="1.0" encoding="utf-8"?>
+<p:sld xmlns:a="http://schemas.openxmlformats.org/drawingml/2006/main" xmlns:r="http://schemas.openxmlformats.org/officeDocument/2006/relationships" xmlns:p="http://schemas.openxmlformats.org/presentationml/2006/main">
+  <p:cSld>
+    <p:spTree>
+      <p:nvGrpSpPr>
+        <p:cNvPr id="1" name=""/>
+        <p:cNvGrpSpPr/>
+        <p:nvPr/>
+      </p:nvGrpSpPr>
+      <p:grpSpPr>
+        <a:xfrm>
+          <a:off x="0" y="0"/>
+          <a:ext cx="0" cy="0"/>
+          <a:chOff x="0" y="0"/>
+          <a:chExt cx="0" cy="0"/>
+        </a:xfrm>
+      </p:grpSpPr>
+      <p:sp>
+        <p:nvSpPr>
+          <p:cNvPr id="2" name="TextBox 1">
+            <a:extLst>
+              <a:ext uri="{FF2B5EF4-FFF2-40B4-BE49-F238E27FC236}">
+                <a16:creationId xmlns:a16="http://schemas.microsoft.com/office/drawing/2014/main" id="{06533866-3305-4B18-98ED-CB48F6DBEDAF}"/>
+              </a:ext>
+            </a:extLst>
+          </p:cNvPr>
+          <p:cNvSpPr txBox="1"/>
+          <p:nvPr/>
+        </p:nvSpPr>
+        <p:spPr>
+          <a:xfrm>
+            <a:off x="3873953" y="2347232"/>
+            <a:ext cx="3388179" cy="923330"/>
+          </a:xfrm>
+          <a:prstGeom prst="rect">
+            <a:avLst/>
+          </a:prstGeom>
+          <a:noFill/>
+        </p:spPr>
+        <p:txBody>
+          <a:bodyPr wrap="square" rtlCol="0">
+            <a:spAutoFit/>
+          </a:bodyPr>
+          <a:lstStyle/>
+          <a:p>
+            <a:r>
+              <a:rPr lang="en-US" dirty="0"/>
+              <a:t>Thank You.</a:t>
+            </a:r>
+          </a:p>
+          <a:p>
+            <a:endParaRPr lang="en-US" dirty="0"/>
+          </a:p>
+          <a:p>
+            <a:r>
+              <a:rPr lang="en-US" dirty="0"/>
+              <a:t>http://jesseliberty.com</a:t>
+            </a:r>
+          </a:p>
+        </p:txBody>
+      </p:sp>
+    </p:spTree>
+    <p:extLst>
+      <p:ext uri="{BB962C8B-B14F-4D97-AF65-F5344CB8AC3E}">
+        <p14:creationId xmlns:p14="http://schemas.microsoft.com/office/powerpoint/2010/main" val="3310084988"/>
       </p:ext>
     </p:extLst>
   </p:cSld>
@@ -7583,10 +8245,10 @@
       </p:grpSpPr>
       <p:sp>
         <p:nvSpPr>
-          <p:cNvPr id="2" name="Rectangle 1">
+          <p:cNvPr id="4" name="Rectangle 3">
             <a:extLst>
               <a:ext uri="{FF2B5EF4-FFF2-40B4-BE49-F238E27FC236}">
-                <a16:creationId xmlns:a16="http://schemas.microsoft.com/office/drawing/2014/main" id="{FF613EFF-91A2-4B0D-99A3-7CB287130C24}"/>
+                <a16:creationId xmlns:a16="http://schemas.microsoft.com/office/drawing/2014/main" id="{3330345A-BA6D-4BD3-878C-4C3354F72347}"/>
               </a:ext>
             </a:extLst>
           </p:cNvPr>
@@ -7595,8 +8257,8 @@
         </p:nvSpPr>
         <p:spPr>
           <a:xfrm>
-            <a:off x="3048000" y="197346"/>
-            <a:ext cx="6096000" cy="6463308"/>
+            <a:off x="3048000" y="-633650"/>
+            <a:ext cx="6096000" cy="8125301"/>
           </a:xfrm>
           <a:prstGeom prst="rect">
             <a:avLst/>
@@ -7610,63 +8272,125 @@
           <a:p>
             <a:r>
               <a:rPr lang="en-US" dirty="0"/>
-              <a:t>using System;</a:t>
-            </a:r>
-          </a:p>
-          <a:p>
-            <a:r>
-              <a:rPr lang="en-US" dirty="0"/>
-              <a:t>using </a:t>
+              <a:t>namespace </a:t>
+            </a:r>
+            <a:r>
+              <a:rPr lang="en-US" dirty="0" err="1"/>
+              <a:t>ConsumerVehicleRegistration</a:t>
+            </a:r>
+            <a:endParaRPr lang="en-US" dirty="0"/>
+          </a:p>
+          <a:p>
+            <a:r>
+              <a:rPr lang="en-US" dirty="0"/>
+              <a:t>{</a:t>
+            </a:r>
+          </a:p>
+          <a:p>
+            <a:r>
+              <a:rPr lang="en-US" dirty="0"/>
+              <a:t>    public class Car</a:t>
+            </a:r>
+          </a:p>
+          <a:p>
+            <a:r>
+              <a:rPr lang="en-US" dirty="0"/>
+              <a:t>    {</a:t>
+            </a:r>
+          </a:p>
+          <a:p>
+            <a:r>
+              <a:rPr lang="en-US" dirty="0"/>
+              <a:t>        public int Passengers { get; set; }</a:t>
+            </a:r>
+          </a:p>
+          <a:p>
+            <a:r>
+              <a:rPr lang="en-US" dirty="0"/>
+              <a:t>    }</a:t>
+            </a:r>
+          </a:p>
+          <a:p>
+            <a:r>
+              <a:rPr lang="en-US" dirty="0"/>
+              <a:t>}</a:t>
+            </a:r>
+          </a:p>
+          <a:p>
+            <a:endParaRPr lang="en-US" dirty="0"/>
+          </a:p>
+          <a:p>
+            <a:r>
+              <a:rPr lang="en-US" dirty="0"/>
+              <a:t>namespace </a:t>
             </a:r>
             <a:r>
               <a:rPr lang="en-US" dirty="0" err="1"/>
               <a:t>CommercialRegistration</a:t>
             </a:r>
-            <a:r>
-              <a:rPr lang="en-US" dirty="0"/>
-              <a:t>;</a:t>
-            </a:r>
-          </a:p>
-          <a:p>
-            <a:r>
-              <a:rPr lang="en-US" dirty="0"/>
-              <a:t>using </a:t>
+            <a:endParaRPr lang="en-US" dirty="0"/>
+          </a:p>
+          <a:p>
+            <a:r>
+              <a:rPr lang="en-US" dirty="0"/>
+              <a:t>{</a:t>
+            </a:r>
+          </a:p>
+          <a:p>
+            <a:r>
+              <a:rPr lang="en-US" dirty="0"/>
+              <a:t>    public class </a:t>
             </a:r>
             <a:r>
               <a:rPr lang="en-US" dirty="0" err="1"/>
-              <a:t>ConsumerVehicleRegistration</a:t>
-            </a:r>
-            <a:r>
-              <a:rPr lang="en-US" dirty="0"/>
-              <a:t>;</a:t>
-            </a:r>
-          </a:p>
-          <a:p>
-            <a:r>
-              <a:rPr lang="en-US" dirty="0"/>
-              <a:t>using </a:t>
+              <a:t>DeliveryTruck</a:t>
+            </a:r>
+            <a:endParaRPr lang="en-US" dirty="0"/>
+          </a:p>
+          <a:p>
+            <a:r>
+              <a:rPr lang="en-US" dirty="0"/>
+              <a:t>    {</a:t>
+            </a:r>
+          </a:p>
+          <a:p>
+            <a:r>
+              <a:rPr lang="en-US" dirty="0"/>
+              <a:t>        public int </a:t>
+            </a:r>
+            <a:r>
+              <a:rPr lang="en-US" dirty="0" err="1"/>
+              <a:t>GrossWeightClass</a:t>
+            </a:r>
+            <a:r>
+              <a:rPr lang="en-US" dirty="0"/>
+              <a:t> { get; set; }</a:t>
+            </a:r>
+          </a:p>
+          <a:p>
+            <a:r>
+              <a:rPr lang="en-US" dirty="0"/>
+              <a:t>    }</a:t>
+            </a:r>
+          </a:p>
+          <a:p>
+            <a:r>
+              <a:rPr lang="en-US" dirty="0"/>
+              <a:t>}</a:t>
+            </a:r>
+          </a:p>
+          <a:p>
+            <a:endParaRPr lang="en-US" dirty="0"/>
+          </a:p>
+          <a:p>
+            <a:r>
+              <a:rPr lang="en-US" dirty="0"/>
+              <a:t>namespace </a:t>
             </a:r>
             <a:r>
               <a:rPr lang="en-US" dirty="0" err="1"/>
               <a:t>LiveryRegistration</a:t>
             </a:r>
-            <a:r>
-              <a:rPr lang="en-US" dirty="0"/>
-              <a:t>;</a:t>
-            </a:r>
-          </a:p>
-          <a:p>
-            <a:endParaRPr lang="en-US" dirty="0"/>
-          </a:p>
-          <a:p>
-            <a:r>
-              <a:rPr lang="en-US" dirty="0"/>
-              <a:t>namespace </a:t>
-            </a:r>
-            <a:r>
-              <a:rPr lang="en-US" dirty="0" err="1"/>
-              <a:t>toll_calculator</a:t>
-            </a:r>
             <a:endParaRPr lang="en-US" dirty="0"/>
           </a:p>
           <a:p>
@@ -7678,13 +8402,8 @@
           <a:p>
             <a:r>
               <a:rPr lang="en-US" dirty="0"/>
-              <a:t>    public class </a:t>
-            </a:r>
-            <a:r>
-              <a:rPr lang="en-US" dirty="0" err="1"/>
-              <a:t>TollCalculator</a:t>
-            </a:r>
-            <a:endParaRPr lang="en-US" dirty="0"/>
+              <a:t>    public class Taxi</a:t>
+            </a:r>
           </a:p>
           <a:p>
             <a:r>
@@ -7695,117 +8414,40 @@
           <a:p>
             <a:r>
               <a:rPr lang="en-US" dirty="0"/>
-              <a:t>        public decimal </a:t>
-            </a:r>
-            <a:r>
-              <a:rPr lang="en-US" dirty="0" err="1"/>
-              <a:t>CalculateToll</a:t>
-            </a:r>
-            <a:r>
-              <a:rPr lang="en-US" dirty="0"/>
-              <a:t>(object vehicle) =&gt;</a:t>
-            </a:r>
-          </a:p>
-          <a:p>
-            <a:r>
-              <a:rPr lang="en-US" dirty="0"/>
-              <a:t>            vehicle switch</a:t>
-            </a:r>
-          </a:p>
-          <a:p>
-            <a:r>
-              <a:rPr lang="en-US" dirty="0"/>
-              <a:t>        {</a:t>
-            </a:r>
-          </a:p>
-          <a:p>
-            <a:r>
-              <a:rPr lang="en-US" dirty="0"/>
-              <a:t>            Car c           =&gt; 2.00m,</a:t>
-            </a:r>
-          </a:p>
-          <a:p>
-            <a:r>
-              <a:rPr lang="en-US" dirty="0"/>
-              <a:t>            Taxi t          =&gt; 3.50m,</a:t>
-            </a:r>
-          </a:p>
-          <a:p>
-            <a:r>
-              <a:rPr lang="en-US" dirty="0"/>
-              <a:t>            Bus b           =&gt; 5.00m,</a:t>
-            </a:r>
-          </a:p>
-          <a:p>
-            <a:r>
-              <a:rPr lang="en-US" dirty="0"/>
-              <a:t>            </a:t>
-            </a:r>
-            <a:r>
-              <a:rPr lang="en-US" dirty="0" err="1"/>
-              <a:t>DeliveryTruck</a:t>
-            </a:r>
-            <a:r>
-              <a:rPr lang="en-US" dirty="0"/>
-              <a:t> t =&gt; 10.00m,</a:t>
-            </a:r>
-          </a:p>
-          <a:p>
-            <a:r>
-              <a:rPr lang="en-US" dirty="0"/>
-              <a:t>            { }             =&gt; throw new </a:t>
-            </a:r>
-            <a:r>
-              <a:rPr lang="en-US" dirty="0" err="1"/>
-              <a:t>ArgumentException</a:t>
-            </a:r>
-            <a:r>
-              <a:rPr lang="en-US" dirty="0"/>
-              <a:t>(message: "Not a known vehicle type", </a:t>
-            </a:r>
-            <a:r>
-              <a:rPr lang="en-US" dirty="0" err="1"/>
-              <a:t>paramName</a:t>
-            </a:r>
-            <a:r>
-              <a:rPr lang="en-US" dirty="0"/>
-              <a:t>: </a:t>
-            </a:r>
-            <a:r>
-              <a:rPr lang="en-US" dirty="0" err="1"/>
-              <a:t>nameof</a:t>
-            </a:r>
-            <a:r>
-              <a:rPr lang="en-US" dirty="0"/>
-              <a:t>(vehicle)),</a:t>
-            </a:r>
-          </a:p>
-          <a:p>
-            <a:r>
-              <a:rPr lang="en-US" dirty="0"/>
-              <a:t>            null            =&gt; throw new </a:t>
-            </a:r>
-            <a:r>
-              <a:rPr lang="en-US" dirty="0" err="1"/>
-              <a:t>ArgumentNullException</a:t>
-            </a:r>
-            <a:r>
-              <a:rPr lang="en-US" dirty="0"/>
-              <a:t>(</a:t>
-            </a:r>
-            <a:r>
-              <a:rPr lang="en-US" dirty="0" err="1"/>
-              <a:t>nameof</a:t>
-            </a:r>
-            <a:r>
-              <a:rPr lang="en-US" dirty="0"/>
-              <a:t>(vehicle))</a:t>
-            </a:r>
-          </a:p>
-          <a:p>
-            <a:r>
-              <a:rPr lang="en-US" dirty="0"/>
-              <a:t>        };</a:t>
+              <a:t>        public int Fares { get; set; }</a:t>
+            </a:r>
+          </a:p>
+          <a:p>
+            <a:r>
+              <a:rPr lang="en-US" dirty="0"/>
+              <a:t>    }</a:t>
+            </a:r>
+          </a:p>
+          <a:p>
+            <a:endParaRPr lang="en-US" dirty="0"/>
+          </a:p>
+          <a:p>
+            <a:r>
+              <a:rPr lang="en-US" dirty="0"/>
+              <a:t>    public class Bus</a:t>
+            </a:r>
+          </a:p>
+          <a:p>
+            <a:r>
+              <a:rPr lang="en-US" dirty="0"/>
+              <a:t>    {</a:t>
+            </a:r>
+          </a:p>
+          <a:p>
+            <a:r>
+              <a:rPr lang="en-US" dirty="0"/>
+              <a:t>        public int Capacity { get; set; }</a:t>
+            </a:r>
+          </a:p>
+          <a:p>
+            <a:r>
+              <a:rPr lang="en-US" dirty="0"/>
+              <a:t>        public int Riders { get; set; }</a:t>
             </a:r>
           </a:p>
           <a:p>
@@ -7825,7 +8467,7 @@
     </p:spTree>
     <p:extLst>
       <p:ext uri="{BB962C8B-B14F-4D97-AF65-F5344CB8AC3E}">
-        <p14:creationId xmlns:p14="http://schemas.microsoft.com/office/powerpoint/2010/main" val="2184974214"/>
+        <p14:creationId xmlns:p14="http://schemas.microsoft.com/office/powerpoint/2010/main" val="3740040511"/>
       </p:ext>
     </p:extLst>
   </p:cSld>
@@ -7854,10 +8496,10 @@
       </p:grpSpPr>
       <p:sp>
         <p:nvSpPr>
-          <p:cNvPr id="2" name="Rectangle 1">
+          <p:cNvPr id="3" name="Rectangle 2">
             <a:extLst>
               <a:ext uri="{FF2B5EF4-FFF2-40B4-BE49-F238E27FC236}">
-                <a16:creationId xmlns:a16="http://schemas.microsoft.com/office/drawing/2014/main" id="{5D1BCA6A-E8FF-4211-B3D2-09502D7DA477}"/>
+                <a16:creationId xmlns:a16="http://schemas.microsoft.com/office/drawing/2014/main" id="{C825C101-F6A8-4F68-B36E-75B7CB3DFB9E}"/>
               </a:ext>
             </a:extLst>
           </p:cNvPr>
@@ -7866,8 +8508,8 @@
         </p:nvSpPr>
         <p:spPr>
           <a:xfrm>
-            <a:off x="2989810" y="0"/>
-            <a:ext cx="6096000" cy="6463308"/>
+            <a:off x="3048000" y="889844"/>
+            <a:ext cx="6096000" cy="5078313"/>
           </a:xfrm>
           <a:prstGeom prst="rect">
             <a:avLst/>
@@ -7881,8 +8523,13 @@
           <a:p>
             <a:r>
               <a:rPr lang="en-US" dirty="0"/>
-              <a:t>vehicle switch</a:t>
-            </a:r>
+              <a:t>namespace </a:t>
+            </a:r>
+            <a:r>
+              <a:rPr lang="en-US" dirty="0" err="1"/>
+              <a:t>toll_calculator</a:t>
+            </a:r>
+            <a:endParaRPr lang="en-US" dirty="0"/>
           </a:p>
           <a:p>
             <a:r>
@@ -7893,133 +8540,82 @@
           <a:p>
             <a:r>
               <a:rPr lang="en-US" dirty="0"/>
-              <a:t>    Car { Passengers: 0}        =&gt; 2.00m + 0.50m,</a:t>
-            </a:r>
-          </a:p>
-          <a:p>
-            <a:r>
-              <a:rPr lang="en-US" dirty="0"/>
-              <a:t>    Car { Passengers: 1}        =&gt; 2.0m,</a:t>
-            </a:r>
-          </a:p>
-          <a:p>
-            <a:r>
-              <a:rPr lang="en-US" dirty="0"/>
-              <a:t>    Car { Passengers: 2}        =&gt; 2.0m - 0.50m,</a:t>
-            </a:r>
-          </a:p>
-          <a:p>
-            <a:r>
-              <a:rPr lang="en-US" dirty="0"/>
-              <a:t>    Car c                       =&gt; 2.00m - 1.0m,</a:t>
-            </a:r>
-          </a:p>
-          <a:p>
-            <a:endParaRPr lang="en-US" dirty="0"/>
-          </a:p>
-          <a:p>
-            <a:r>
-              <a:rPr lang="en-US" dirty="0"/>
-              <a:t>    Taxi { Fares: 0}  =&gt; 3.50m + 1.00m,</a:t>
-            </a:r>
-          </a:p>
-          <a:p>
-            <a:r>
-              <a:rPr lang="en-US" dirty="0"/>
-              <a:t>    Taxi { Fares: 1 } =&gt; 3.50m,</a:t>
-            </a:r>
-          </a:p>
-          <a:p>
-            <a:r>
-              <a:rPr lang="en-US" dirty="0"/>
-              <a:t>    Taxi { Fares: 2}  =&gt; 3.50m - 0.50m,</a:t>
-            </a:r>
-          </a:p>
-          <a:p>
-            <a:r>
-              <a:rPr lang="en-US" dirty="0"/>
-              <a:t>    Taxi t            =&gt; 3.50m - 1.00m,</a:t>
-            </a:r>
-          </a:p>
-          <a:p>
-            <a:endParaRPr lang="en-US" dirty="0"/>
-          </a:p>
-          <a:p>
-            <a:r>
-              <a:rPr lang="en-US" dirty="0"/>
-              <a:t>    Bus b </a:t>
-            </a:r>
-            <a:r>
-              <a:rPr lang="en-US" b="1" dirty="0"/>
-              <a:t>when</a:t>
-            </a:r>
-            <a:r>
-              <a:rPr lang="en-US" dirty="0"/>
-              <a:t> ((double)</a:t>
+              <a:t>    public class </a:t>
             </a:r>
             <a:r>
               <a:rPr lang="en-US" dirty="0" err="1"/>
-              <a:t>b.Riders</a:t>
-            </a:r>
-            <a:r>
-              <a:rPr lang="en-US" dirty="0"/>
-              <a:t> / (double)</a:t>
+              <a:t>TollCalculator</a:t>
+            </a:r>
+            <a:endParaRPr lang="en-US" dirty="0"/>
+          </a:p>
+          <a:p>
+            <a:r>
+              <a:rPr lang="en-US" dirty="0"/>
+              <a:t>    {</a:t>
+            </a:r>
+          </a:p>
+          <a:p>
+            <a:r>
+              <a:rPr lang="en-US" dirty="0"/>
+              <a:t>        public decimal </a:t>
             </a:r>
             <a:r>
               <a:rPr lang="en-US" dirty="0" err="1"/>
-              <a:t>b.Capacity</a:t>
-            </a:r>
-            <a:r>
-              <a:rPr lang="en-US" dirty="0"/>
-              <a:t>) &lt; 0.50 =&gt; 5.00m + 2.00m,</a:t>
-            </a:r>
-          </a:p>
-          <a:p>
-            <a:r>
-              <a:rPr lang="en-US" dirty="0"/>
-              <a:t>    Bus b </a:t>
-            </a:r>
-            <a:r>
-              <a:rPr lang="en-US" b="1" dirty="0"/>
-              <a:t>when</a:t>
-            </a:r>
-            <a:r>
-              <a:rPr lang="en-US" dirty="0"/>
-              <a:t> ((double)</a:t>
+              <a:t>CalculateToll</a:t>
+            </a:r>
+            <a:r>
+              <a:rPr lang="en-US" dirty="0"/>
+              <a:t>(object vehicle) =&gt;</a:t>
+            </a:r>
+          </a:p>
+          <a:p>
+            <a:r>
+              <a:rPr lang="en-US" dirty="0"/>
+              <a:t>            vehicle switch</a:t>
+            </a:r>
+          </a:p>
+          <a:p>
+            <a:r>
+              <a:rPr lang="en-US" dirty="0"/>
+              <a:t>        {</a:t>
+            </a:r>
+          </a:p>
+          <a:p>
+            <a:r>
+              <a:rPr lang="en-US" dirty="0"/>
+              <a:t>            Car c           =&gt; 2.00m,</a:t>
+            </a:r>
+          </a:p>
+          <a:p>
+            <a:r>
+              <a:rPr lang="en-US" dirty="0"/>
+              <a:t>            Taxi t          =&gt; 3.50m,</a:t>
+            </a:r>
+          </a:p>
+          <a:p>
+            <a:r>
+              <a:rPr lang="en-US" dirty="0"/>
+              <a:t>            Bus b           =&gt; 5.00m,</a:t>
+            </a:r>
+          </a:p>
+          <a:p>
+            <a:r>
+              <a:rPr lang="en-US" dirty="0"/>
+              <a:t>            </a:t>
             </a:r>
             <a:r>
               <a:rPr lang="en-US" dirty="0" err="1"/>
-              <a:t>b.Riders</a:t>
-            </a:r>
-            <a:r>
-              <a:rPr lang="en-US" dirty="0"/>
-              <a:t> / (double)</a:t>
-            </a:r>
-            <a:r>
-              <a:rPr lang="en-US" dirty="0" err="1"/>
-              <a:t>b.Capacity</a:t>
-            </a:r>
-            <a:r>
-              <a:rPr lang="en-US" dirty="0"/>
-              <a:t>) &gt; 0.90 =&gt; 5.00m - 1.00m,</a:t>
-            </a:r>
-          </a:p>
-          <a:p>
-            <a:r>
-              <a:rPr lang="en-US" dirty="0"/>
-              <a:t>    Bus b =&gt; 5.00m,</a:t>
-            </a:r>
-          </a:p>
-          <a:p>
-            <a:r>
-              <a:rPr lang="en-US" dirty="0"/>
-              <a:t>  </a:t>
-            </a:r>
-          </a:p>
-          <a:p>
-            <a:r>
-              <a:rPr lang="en-US" dirty="0"/>
-              <a:t>    { }     =&gt; throw new </a:t>
+              <a:t>DeliveryTruck</a:t>
+            </a:r>
+            <a:r>
+              <a:rPr lang="en-US" dirty="0"/>
+              <a:t> t =&gt; 10.00m,</a:t>
+            </a:r>
+          </a:p>
+          <a:p>
+            <a:r>
+              <a:rPr lang="en-US" dirty="0"/>
+              <a:t>            { }             =&gt; throw new </a:t>
             </a:r>
             <a:r>
               <a:rPr lang="en-US" dirty="0" err="1"/>
@@ -8049,7 +8645,7 @@
           <a:p>
             <a:r>
               <a:rPr lang="en-US" dirty="0"/>
-              <a:t>    null    =&gt; throw new </a:t>
+              <a:t>            null            =&gt; throw new </a:t>
             </a:r>
             <a:r>
               <a:rPr lang="en-US" dirty="0" err="1"/>
@@ -8071,7 +8667,19 @@
           <a:p>
             <a:r>
               <a:rPr lang="en-US" dirty="0"/>
-              <a:t>};</a:t>
+              <a:t>        };</a:t>
+            </a:r>
+          </a:p>
+          <a:p>
+            <a:r>
+              <a:rPr lang="en-US" dirty="0"/>
+              <a:t>    }</a:t>
+            </a:r>
+          </a:p>
+          <a:p>
+            <a:r>
+              <a:rPr lang="en-US" dirty="0"/>
+              <a:t>}</a:t>
             </a:r>
           </a:p>
         </p:txBody>
@@ -8079,7 +8687,7 @@
     </p:spTree>
     <p:extLst>
       <p:ext uri="{BB962C8B-B14F-4D97-AF65-F5344CB8AC3E}">
-        <p14:creationId xmlns:p14="http://schemas.microsoft.com/office/powerpoint/2010/main" val="541983683"/>
+        <p14:creationId xmlns:p14="http://schemas.microsoft.com/office/powerpoint/2010/main" val="909788756"/>
       </p:ext>
     </p:extLst>
   </p:cSld>
@@ -8111,7 +8719,7 @@
           <p:cNvPr id="2" name="Rectangle 1">
             <a:extLst>
               <a:ext uri="{FF2B5EF4-FFF2-40B4-BE49-F238E27FC236}">
-                <a16:creationId xmlns:a16="http://schemas.microsoft.com/office/drawing/2014/main" id="{72AC6845-ECC7-432F-92BC-1D38AF826FCB}"/>
+                <a16:creationId xmlns:a16="http://schemas.microsoft.com/office/drawing/2014/main" id="{B2CB75C8-9459-4AB5-98E7-430622A1CECF}"/>
               </a:ext>
             </a:extLst>
           </p:cNvPr>
@@ -8120,8 +8728,8 @@
         </p:nvSpPr>
         <p:spPr>
           <a:xfrm>
-            <a:off x="914400" y="1028343"/>
-            <a:ext cx="10096500" cy="1938992"/>
+            <a:off x="2676524" y="2547755"/>
+            <a:ext cx="7369629" cy="1477328"/>
           </a:xfrm>
           <a:prstGeom prst="rect">
             <a:avLst/>
@@ -8133,89 +8741,75 @@
           </a:bodyPr>
           <a:lstStyle/>
           <a:p>
-            <a:r>
-              <a:rPr lang="en-US" sz="2400" dirty="0"/>
-              <a:t>vehicle switch</a:t>
-            </a:r>
-          </a:p>
-          <a:p>
-            <a:r>
-              <a:rPr lang="en-US" sz="2400" dirty="0"/>
-              <a:t>{</a:t>
-            </a:r>
-          </a:p>
-          <a:p>
-            <a:r>
-              <a:rPr lang="en-US" sz="2400" dirty="0"/>
-              <a:t>   Bus b </a:t>
-            </a:r>
-            <a:r>
-              <a:rPr lang="en-US" sz="2400" b="1" dirty="0"/>
-              <a:t>when</a:t>
-            </a:r>
-            <a:r>
-              <a:rPr lang="en-US" sz="2400" dirty="0"/>
-              <a:t> ((double)</a:t>
-            </a:r>
-            <a:r>
-              <a:rPr lang="en-US" sz="2400" dirty="0" err="1"/>
-              <a:t>b.Riders</a:t>
-            </a:r>
-            <a:r>
-              <a:rPr lang="en-US" sz="2400" dirty="0"/>
-              <a:t> / (double)</a:t>
-            </a:r>
-            <a:r>
-              <a:rPr lang="en-US" sz="2400" dirty="0" err="1"/>
-              <a:t>b.Capacity</a:t>
-            </a:r>
-            <a:r>
-              <a:rPr lang="en-US" sz="2400" dirty="0"/>
-              <a:t>) &lt; 0.50 =&gt; 5.00m + 2.00m,</a:t>
-            </a:r>
-          </a:p>
-          <a:p>
-            <a:r>
-              <a:rPr lang="en-US" sz="2400" dirty="0"/>
-              <a:t>    Bus b </a:t>
-            </a:r>
-            <a:r>
-              <a:rPr lang="en-US" sz="2400" b="1" dirty="0"/>
-              <a:t>when</a:t>
-            </a:r>
-            <a:r>
-              <a:rPr lang="en-US" sz="2400" dirty="0"/>
-              <a:t> ((double)</a:t>
-            </a:r>
-            <a:r>
-              <a:rPr lang="en-US" sz="2400" dirty="0" err="1"/>
-              <a:t>b.Riders</a:t>
-            </a:r>
-            <a:r>
-              <a:rPr lang="en-US" sz="2400" dirty="0"/>
-              <a:t> / (double)</a:t>
-            </a:r>
-            <a:r>
-              <a:rPr lang="en-US" sz="2400" dirty="0" err="1"/>
-              <a:t>b.Capacity</a:t>
-            </a:r>
-            <a:r>
-              <a:rPr lang="en-US" sz="2400" dirty="0"/>
-              <a:t>) &gt; 0.90 =&gt; 5.00m - 1.00m,</a:t>
-            </a:r>
-          </a:p>
-          <a:p>
-            <a:r>
-              <a:rPr lang="en-US" sz="2400" dirty="0"/>
-              <a:t>    Bus b =&gt; 5.00m,</a:t>
-            </a:r>
+            <a:pPr>
+              <a:buFont typeface="Arial" panose="020B0604020202020204" pitchFamily="34" charset="0"/>
+              <a:buChar char="•"/>
+            </a:pPr>
+            <a:r>
+              <a:rPr lang="en-US" dirty="0">
+                <a:latin typeface="Segoe UI" panose="020B0502040204020203" pitchFamily="34" charset="0"/>
+              </a:rPr>
+              <a:t>Cars and taxis with no passengers pay an extra $0.50.</a:t>
+            </a:r>
+          </a:p>
+          <a:p>
+            <a:pPr>
+              <a:buFont typeface="Arial" panose="020B0604020202020204" pitchFamily="34" charset="0"/>
+              <a:buChar char="•"/>
+            </a:pPr>
+            <a:r>
+              <a:rPr lang="en-US" dirty="0">
+                <a:latin typeface="Segoe UI" panose="020B0502040204020203" pitchFamily="34" charset="0"/>
+              </a:rPr>
+              <a:t>Cars and taxis with two passengers get a $0.50 discount.</a:t>
+            </a:r>
+          </a:p>
+          <a:p>
+            <a:pPr>
+              <a:buFont typeface="Arial" panose="020B0604020202020204" pitchFamily="34" charset="0"/>
+              <a:buChar char="•"/>
+            </a:pPr>
+            <a:r>
+              <a:rPr lang="en-US" dirty="0">
+                <a:latin typeface="Segoe UI" panose="020B0502040204020203" pitchFamily="34" charset="0"/>
+              </a:rPr>
+              <a:t>Cars and taxis with three or more passengers get a $1.00 discount.</a:t>
+            </a:r>
+          </a:p>
+          <a:p>
+            <a:pPr>
+              <a:buFont typeface="Arial" panose="020B0604020202020204" pitchFamily="34" charset="0"/>
+              <a:buChar char="•"/>
+            </a:pPr>
+            <a:r>
+              <a:rPr lang="en-US" dirty="0">
+                <a:latin typeface="Segoe UI" panose="020B0502040204020203" pitchFamily="34" charset="0"/>
+              </a:rPr>
+              <a:t>Buses that are less than 50% full pay an extra $2.00.</a:t>
+            </a:r>
+          </a:p>
+          <a:p>
+            <a:pPr>
+              <a:buFont typeface="Arial" panose="020B0604020202020204" pitchFamily="34" charset="0"/>
+              <a:buChar char="•"/>
+            </a:pPr>
+            <a:r>
+              <a:rPr lang="en-US" dirty="0">
+                <a:latin typeface="Segoe UI" panose="020B0502040204020203" pitchFamily="34" charset="0"/>
+              </a:rPr>
+              <a:t>Buses that are more than 90% full get a $1.00 discount.</a:t>
+            </a:r>
+            <a:endParaRPr lang="en-US" b="0" i="0" dirty="0">
+              <a:effectLst/>
+              <a:latin typeface="Segoe UI" panose="020B0502040204020203" pitchFamily="34" charset="0"/>
+            </a:endParaRPr>
           </a:p>
         </p:txBody>
       </p:sp>
     </p:spTree>
     <p:extLst>
       <p:ext uri="{BB962C8B-B14F-4D97-AF65-F5344CB8AC3E}">
-        <p14:creationId xmlns:p14="http://schemas.microsoft.com/office/powerpoint/2010/main" val="3876531180"/>
+        <p14:creationId xmlns:p14="http://schemas.microsoft.com/office/powerpoint/2010/main" val="1833052546"/>
       </p:ext>
     </p:extLst>
   </p:cSld>
